--- a/maven/docs/Maven培训文档.pptx
+++ b/maven/docs/Maven培训文档.pptx
@@ -6,7 +6,7 @@
     <p:sldMasterId id="2147483660" r:id="rId2"/>
   </p:sldMasterIdLst>
   <p:notesMasterIdLst>
-    <p:notesMasterId r:id="rId44"/>
+    <p:notesMasterId r:id="rId48"/>
   </p:notesMasterIdLst>
   <p:sldIdLst>
     <p:sldId id="256" r:id="rId3"/>
@@ -48,8 +48,12 @@
     <p:sldId id="305" r:id="rId39"/>
     <p:sldId id="306" r:id="rId40"/>
     <p:sldId id="307" r:id="rId41"/>
-    <p:sldId id="308" r:id="rId42"/>
-    <p:sldId id="269" r:id="rId43"/>
+    <p:sldId id="309" r:id="rId42"/>
+    <p:sldId id="310" r:id="rId43"/>
+    <p:sldId id="311" r:id="rId44"/>
+    <p:sldId id="312" r:id="rId45"/>
+    <p:sldId id="308" r:id="rId46"/>
+    <p:sldId id="269" r:id="rId47"/>
   </p:sldIdLst>
   <p:sldSz cx="9144000" cy="6858000" type="screen4x3"/>
   <p:notesSz cx="6858000" cy="9144000"/>
@@ -233,7 +237,7 @@
           <a:p>
             <a:fld id="{D6CB015B-B7FF-4093-8E19-9AD7339689D2}" type="datetimeFigureOut">
               <a:rPr lang="zh-CN" altLang="en-US" smtClean="0"/>
-              <a:t>2017/12/5</a:t>
+              <a:t>2017/12/19</a:t>
             </a:fld>
             <a:endParaRPr lang="zh-CN" altLang="en-US"/>
           </a:p>
@@ -2653,7 +2657,7 @@
             <a:fld id="{B35E7478-ADE7-4480-A214-01473DFE0029}" type="datetimeFigureOut">
               <a:rPr lang="zh-CN" altLang="en-US" smtClean="0"/>
               <a:pPr/>
-              <a:t>2017/12/5</a:t>
+              <a:t>2017/12/19</a:t>
             </a:fld>
             <a:endParaRPr lang="zh-CN" altLang="en-US"/>
           </a:p>
@@ -6518,7 +6522,7 @@
             <a:fld id="{B35E7478-ADE7-4480-A214-01473DFE0029}" type="datetimeFigureOut">
               <a:rPr lang="zh-CN" altLang="en-US" smtClean="0"/>
               <a:pPr/>
-              <a:t>2017/12/5</a:t>
+              <a:t>2017/12/19</a:t>
             </a:fld>
             <a:endParaRPr lang="zh-CN" altLang="en-US"/>
           </a:p>
@@ -8186,7 +8190,7 @@
             <a:fld id="{B35E7478-ADE7-4480-A214-01473DFE0029}" type="datetimeFigureOut">
               <a:rPr lang="zh-CN" altLang="en-US" smtClean="0"/>
               <a:pPr/>
-              <a:t>2017/12/5</a:t>
+              <a:t>2017/12/19</a:t>
             </a:fld>
             <a:endParaRPr lang="zh-CN" altLang="en-US"/>
           </a:p>
@@ -12490,7 +12494,7 @@
                 </a:solidFill>
               </a:rPr>
               <a:pPr/>
-              <a:t>2017/12/5</a:t>
+              <a:t>2017/12/19</a:t>
             </a:fld>
             <a:endParaRPr lang="zh-CN" altLang="en-US">
               <a:solidFill>
@@ -16408,7 +16412,7 @@
                 </a:solidFill>
               </a:rPr>
               <a:pPr/>
-              <a:t>2017/12/5</a:t>
+              <a:t>2017/12/19</a:t>
             </a:fld>
             <a:endParaRPr lang="zh-CN" altLang="en-US">
               <a:solidFill>
@@ -22259,7 +22263,7 @@
                 </a:solidFill>
               </a:rPr>
               <a:pPr/>
-              <a:t>2017/12/5</a:t>
+              <a:t>2017/12/19</a:t>
             </a:fld>
             <a:endParaRPr lang="zh-CN" altLang="en-US">
               <a:solidFill>
@@ -22849,7 +22853,7 @@
                 </a:solidFill>
               </a:rPr>
               <a:pPr/>
-              <a:t>2017/12/5</a:t>
+              <a:t>2017/12/19</a:t>
             </a:fld>
             <a:endParaRPr lang="zh-CN" altLang="en-US">
               <a:solidFill>
@@ -26553,7 +26557,7 @@
                 </a:solidFill>
               </a:rPr>
               <a:pPr/>
-              <a:t>2017/12/5</a:t>
+              <a:t>2017/12/19</a:t>
             </a:fld>
             <a:endParaRPr lang="zh-CN" altLang="en-US">
               <a:solidFill>
@@ -26687,7 +26691,7 @@
                 </a:solidFill>
               </a:rPr>
               <a:pPr/>
-              <a:t>2017/12/5</a:t>
+              <a:t>2017/12/19</a:t>
             </a:fld>
             <a:endParaRPr lang="zh-CN" altLang="en-US">
               <a:solidFill>
@@ -27516,7 +27520,7 @@
             <a:fld id="{B35E7478-ADE7-4480-A214-01473DFE0029}" type="datetimeFigureOut">
               <a:rPr lang="zh-CN" altLang="en-US" smtClean="0"/>
               <a:pPr/>
-              <a:t>2017/12/5</a:t>
+              <a:t>2017/12/19</a:t>
             </a:fld>
             <a:endParaRPr lang="zh-CN" altLang="en-US"/>
           </a:p>
@@ -32844,7 +32848,7 @@
             <a:fld id="{B35E7478-ADE7-4480-A214-01473DFE0029}" type="datetimeFigureOut">
               <a:rPr lang="zh-CN" altLang="en-US" smtClean="0"/>
               <a:pPr/>
-              <a:t>2017/12/5</a:t>
+              <a:t>2017/12/19</a:t>
             </a:fld>
             <a:endParaRPr lang="zh-CN" altLang="en-US"/>
           </a:p>
@@ -38198,7 +38202,7 @@
             <a:fld id="{B35E7478-ADE7-4480-A214-01473DFE0029}" type="datetimeFigureOut">
               <a:rPr lang="zh-CN" altLang="en-US" smtClean="0"/>
               <a:pPr/>
-              <a:t>2017/12/5</a:t>
+              <a:t>2017/12/19</a:t>
             </a:fld>
             <a:endParaRPr lang="zh-CN" altLang="en-US"/>
           </a:p>
@@ -38295,7 +38299,7 @@
             <a:fld id="{B35E7478-ADE7-4480-A214-01473DFE0029}" type="datetimeFigureOut">
               <a:rPr lang="zh-CN" altLang="en-US" smtClean="0"/>
               <a:pPr/>
-              <a:t>2017/12/5</a:t>
+              <a:t>2017/12/19</a:t>
             </a:fld>
             <a:endParaRPr lang="zh-CN" altLang="en-US"/>
           </a:p>
@@ -38581,7 +38585,7 @@
             <a:fld id="{B35E7478-ADE7-4480-A214-01473DFE0029}" type="datetimeFigureOut">
               <a:rPr lang="zh-CN" altLang="en-US" smtClean="0"/>
               <a:pPr/>
-              <a:t>2017/12/5</a:t>
+              <a:t>2017/12/19</a:t>
             </a:fld>
             <a:endParaRPr lang="zh-CN" altLang="en-US"/>
           </a:p>
@@ -38836,7 +38840,7 @@
             <a:fld id="{B35E7478-ADE7-4480-A214-01473DFE0029}" type="datetimeFigureOut">
               <a:rPr lang="zh-CN" altLang="en-US" smtClean="0"/>
               <a:pPr/>
-              <a:t>2017/12/5</a:t>
+              <a:t>2017/12/19</a:t>
             </a:fld>
             <a:endParaRPr lang="zh-CN" altLang="en-US"/>
           </a:p>
@@ -39008,7 +39012,7 @@
             <a:fld id="{B35E7478-ADE7-4480-A214-01473DFE0029}" type="datetimeFigureOut">
               <a:rPr lang="zh-CN" altLang="en-US" smtClean="0"/>
               <a:pPr/>
-              <a:t>2017/12/5</a:t>
+              <a:t>2017/12/19</a:t>
             </a:fld>
             <a:endParaRPr lang="zh-CN" altLang="en-US"/>
           </a:p>
@@ -39235,7 +39239,7 @@
             <a:fld id="{B35E7478-ADE7-4480-A214-01473DFE0029}" type="datetimeFigureOut">
               <a:rPr lang="zh-CN" altLang="en-US" smtClean="0"/>
               <a:pPr/>
-              <a:t>2017/12/5</a:t>
+              <a:t>2017/12/19</a:t>
             </a:fld>
             <a:endParaRPr lang="zh-CN" altLang="en-US"/>
           </a:p>
@@ -39771,7 +39775,7 @@
                 </a:solidFill>
               </a:rPr>
               <a:pPr/>
-              <a:t>2017/12/5</a:t>
+              <a:t>2017/12/19</a:t>
             </a:fld>
             <a:endParaRPr lang="zh-CN" altLang="en-US">
               <a:solidFill>
@@ -44954,113 +44958,119 @@
           </a:xfrm>
         </p:spPr>
         <p:txBody>
-          <a:bodyPr/>
+          <a:bodyPr>
+            <a:noAutofit/>
+          </a:bodyPr>
           <a:lstStyle/>
           <a:p>
             <a:pPr eaLnBrk="1" hangingPunct="1"/>
             <a:r>
-              <a:rPr lang="en-US" altLang="zh-CN" sz="2000" smtClean="0"/>
+              <a:rPr lang="en-US" altLang="zh-CN" sz="2400" dirty="0" smtClean="0"/>
               <a:t>Plugin</a:t>
             </a:r>
             <a:r>
-              <a:rPr lang="zh-CN" altLang="en-US" sz="2000" smtClean="0"/>
+              <a:rPr lang="zh-CN" altLang="en-US" sz="2400" dirty="0" smtClean="0"/>
               <a:t>是</a:t>
             </a:r>
             <a:r>
-              <a:rPr lang="en-US" altLang="zh-CN" sz="2000" smtClean="0"/>
+              <a:rPr lang="en-US" altLang="zh-CN" sz="2400" dirty="0" smtClean="0"/>
               <a:t>Maven</a:t>
             </a:r>
             <a:r>
-              <a:rPr lang="zh-CN" altLang="en-US" sz="2000" smtClean="0"/>
+              <a:rPr lang="zh-CN" altLang="en-US" sz="2400" dirty="0" smtClean="0"/>
               <a:t>的核心，所有功能</a:t>
             </a:r>
             <a:r>
-              <a:rPr lang="en-US" altLang="zh-CN" sz="2000" smtClean="0"/>
+              <a:rPr lang="en-US" altLang="zh-CN" sz="2400" dirty="0" smtClean="0"/>
               <a:t>(</a:t>
             </a:r>
             <a:r>
-              <a:rPr lang="zh-CN" altLang="en-US" sz="2000" smtClean="0"/>
+              <a:rPr lang="zh-CN" altLang="en-US" sz="2400" dirty="0" smtClean="0"/>
               <a:t>命令）的实现是通过插件完成。</a:t>
             </a:r>
             <a:r>
-              <a:rPr lang="en-US" altLang="zh-CN" sz="2000" smtClean="0"/>
+              <a:rPr lang="en-US" altLang="zh-CN" sz="2400" dirty="0" smtClean="0"/>
               <a:t>Maven</a:t>
             </a:r>
             <a:r>
-              <a:rPr lang="zh-CN" altLang="en-US" sz="2000" smtClean="0"/>
+              <a:rPr lang="zh-CN" altLang="en-US" sz="2400" dirty="0" smtClean="0"/>
               <a:t>提供了很多插件，也有第三方提供。</a:t>
             </a:r>
-            <a:endParaRPr lang="en-US" altLang="zh-CN" sz="2000" smtClean="0"/>
+            <a:endParaRPr lang="en-US" altLang="zh-CN" sz="2400" dirty="0" smtClean="0"/>
           </a:p>
           <a:p>
             <a:pPr lvl="1" eaLnBrk="1" hangingPunct="1"/>
             <a:r>
-              <a:rPr lang="en-US" altLang="zh-CN" sz="1600" smtClean="0">
+              <a:rPr lang="en-US" altLang="zh-CN" sz="2400" dirty="0" smtClean="0">
                 <a:hlinkClick r:id="rId2"/>
               </a:rPr>
               <a:t>http://maven.apache.org/plugins/index.html</a:t>
             </a:r>
-            <a:endParaRPr lang="en-US" altLang="zh-CN" sz="1600" smtClean="0"/>
+            <a:endParaRPr lang="en-US" altLang="zh-CN" sz="2400" dirty="0" smtClean="0"/>
           </a:p>
           <a:p>
             <a:pPr eaLnBrk="1" hangingPunct="1"/>
             <a:r>
-              <a:rPr lang="zh-CN" altLang="en-US" sz="2000" smtClean="0"/>
+              <a:rPr lang="zh-CN" altLang="en-US" sz="2400" dirty="0" smtClean="0"/>
               <a:t>常用的</a:t>
             </a:r>
             <a:r>
-              <a:rPr lang="en-US" altLang="zh-CN" sz="2000" smtClean="0"/>
+              <a:rPr lang="en-US" altLang="zh-CN" sz="2400" dirty="0" smtClean="0"/>
               <a:t>plugin</a:t>
             </a:r>
           </a:p>
           <a:p>
             <a:pPr lvl="1" eaLnBrk="1" hangingPunct="1"/>
             <a:r>
-              <a:rPr lang="en-US" altLang="zh-CN" sz="1600" smtClean="0"/>
+              <a:rPr lang="en-US" altLang="zh-CN" sz="2400" dirty="0" smtClean="0"/>
               <a:t>maven-resources-plugin</a:t>
             </a:r>
           </a:p>
           <a:p>
             <a:pPr lvl="1" eaLnBrk="1" hangingPunct="1"/>
             <a:r>
-              <a:rPr lang="en-US" altLang="zh-CN" sz="1600" smtClean="0"/>
+              <a:rPr lang="en-US" altLang="zh-CN" sz="2400" dirty="0" smtClean="0"/>
               <a:t>maven-compile-plugin</a:t>
             </a:r>
           </a:p>
           <a:p>
             <a:pPr eaLnBrk="1" hangingPunct="1"/>
             <a:r>
-              <a:rPr lang="en-US" altLang="zh-CN" sz="2000" smtClean="0"/>
+              <a:rPr lang="en-US" altLang="zh-CN" sz="2400" dirty="0" smtClean="0"/>
               <a:t>&lt;packaging&gt;jar&lt;/packaging&gt;</a:t>
             </a:r>
           </a:p>
           <a:p>
             <a:pPr lvl="1" eaLnBrk="1" hangingPunct="1"/>
             <a:r>
-              <a:rPr lang="en-US" altLang="zh-CN" sz="1600" smtClean="0"/>
+              <a:rPr lang="en-US" altLang="zh-CN" sz="2400" dirty="0" smtClean="0"/>
               <a:t>maven-jar-plugin</a:t>
             </a:r>
           </a:p>
           <a:p>
             <a:pPr eaLnBrk="1" hangingPunct="1"/>
             <a:r>
-              <a:rPr lang="en-US" altLang="zh-CN" sz="2000" smtClean="0"/>
+              <a:rPr lang="en-US" altLang="zh-CN" sz="2400" dirty="0" smtClean="0"/>
               <a:t>&lt;packaging&gt;war&lt;/packaging&gt;</a:t>
             </a:r>
           </a:p>
           <a:p>
             <a:pPr lvl="1" eaLnBrk="1" hangingPunct="1"/>
             <a:r>
-              <a:rPr lang="en-US" altLang="zh-CN" sz="1600" smtClean="0"/>
+              <a:rPr lang="en-US" altLang="zh-CN" sz="2400" dirty="0" smtClean="0"/>
               <a:t>maven-war-plugin</a:t>
             </a:r>
           </a:p>
           <a:p>
-            <a:pPr lvl="1" eaLnBrk="1" hangingPunct="1">
-              <a:buFont typeface="Arial" charset="0"/>
-              <a:buNone/>
-            </a:pPr>
-            <a:endParaRPr lang="en-US" altLang="zh-CN" sz="1600" smtClean="0"/>
+            <a:r>
+              <a:rPr lang="en-US" altLang="zh-CN" sz="2400" dirty="0" smtClean="0"/>
+              <a:t>Plugin</a:t>
+            </a:r>
+            <a:r>
+              <a:rPr lang="zh-CN" altLang="en-US" sz="2400" dirty="0" smtClean="0"/>
+              <a:t>关联到特定的生命期</a:t>
+            </a:r>
+            <a:endParaRPr lang="en-US" altLang="zh-CN" sz="2400" dirty="0" smtClean="0"/>
           </a:p>
         </p:txBody>
       </p:sp>
@@ -45508,10 +45518,10 @@
           <a:p>
             <a:pPr eaLnBrk="1" hangingPunct="1"/>
             <a:r>
-              <a:rPr lang="en-US" altLang="zh-CN" smtClean="0"/>
+              <a:rPr lang="en-US" altLang="zh-CN" dirty="0" smtClean="0"/>
               <a:t>http://maven.apache.org/pom.html</a:t>
             </a:r>
-            <a:endParaRPr lang="zh-CN" altLang="en-US" smtClean="0"/>
+            <a:endParaRPr lang="zh-CN" altLang="en-US" dirty="0" smtClean="0"/>
           </a:p>
         </p:txBody>
       </p:sp>
@@ -48024,6 +48034,581 @@
       </p:grpSpPr>
       <p:sp>
         <p:nvSpPr>
+          <p:cNvPr id="2" name="标题 1"/>
+          <p:cNvSpPr>
+            <a:spLocks noGrp="1"/>
+          </p:cNvSpPr>
+          <p:nvPr>
+            <p:ph type="title"/>
+          </p:nvPr>
+        </p:nvSpPr>
+        <p:spPr>
+          <a:xfrm>
+            <a:off x="395536" y="476672"/>
+            <a:ext cx="8229600" cy="634082"/>
+          </a:xfrm>
+        </p:spPr>
+        <p:txBody>
+          <a:bodyPr>
+            <a:normAutofit fontScale="90000"/>
+          </a:bodyPr>
+          <a:lstStyle/>
+          <a:p>
+            <a:r>
+              <a:rPr lang="en-US" altLang="zh-CN" b="1" dirty="0">
+                <a:effectLst/>
+              </a:rPr>
+              <a:t>Maven </a:t>
+            </a:r>
+            <a:r>
+              <a:rPr lang="en-US" altLang="zh-CN" b="1" dirty="0" smtClean="0">
+                <a:effectLst/>
+              </a:rPr>
+              <a:t>Profiles</a:t>
+            </a:r>
+            <a:endParaRPr lang="zh-CN" altLang="en-US" dirty="0"/>
+          </a:p>
+        </p:txBody>
+      </p:sp>
+      <p:sp>
+        <p:nvSpPr>
+          <p:cNvPr id="3" name="内容占位符 2"/>
+          <p:cNvSpPr>
+            <a:spLocks noGrp="1"/>
+          </p:cNvSpPr>
+          <p:nvPr>
+            <p:ph idx="1"/>
+          </p:nvPr>
+        </p:nvSpPr>
+        <p:spPr/>
+        <p:txBody>
+          <a:bodyPr/>
+          <a:lstStyle/>
+          <a:p>
+            <a:r>
+              <a:rPr lang="zh-CN" altLang="en-US" dirty="0"/>
+              <a:t>定义多组配置，在一定条件下激活</a:t>
+            </a:r>
+          </a:p>
+          <a:p>
+            <a:endParaRPr lang="zh-CN" altLang="en-US" dirty="0"/>
+          </a:p>
+        </p:txBody>
+      </p:sp>
+      <p:pic>
+        <p:nvPicPr>
+          <p:cNvPr id="1027" name="Picture 3"/>
+          <p:cNvPicPr>
+            <a:picLocks noChangeAspect="1" noChangeArrowheads="1"/>
+          </p:cNvPicPr>
+          <p:nvPr/>
+        </p:nvPicPr>
+        <p:blipFill>
+          <a:blip r:embed="rId2">
+            <a:extLst>
+              <a:ext uri="{28A0092B-C50C-407E-A947-70E740481C1C}">
+                <a14:useLocalDpi xmlns:a14="http://schemas.microsoft.com/office/drawing/2010/main" val="0"/>
+              </a:ext>
+            </a:extLst>
+          </a:blip>
+          <a:srcRect/>
+          <a:stretch>
+            <a:fillRect/>
+          </a:stretch>
+        </p:blipFill>
+        <p:spPr bwMode="auto">
+          <a:xfrm>
+            <a:off x="1979712" y="2371303"/>
+            <a:ext cx="4829175" cy="4010025"/>
+          </a:xfrm>
+          <a:prstGeom prst="rect">
+            <a:avLst/>
+          </a:prstGeom>
+          <a:noFill/>
+          <a:ln>
+            <a:noFill/>
+          </a:ln>
+          <a:effectLst/>
+          <a:extLst>
+            <a:ext uri="{909E8E84-426E-40DD-AFC4-6F175D3DCCD1}">
+              <a14:hiddenFill xmlns:a14="http://schemas.microsoft.com/office/drawing/2010/main">
+                <a:solidFill>
+                  <a:schemeClr val="accent1"/>
+                </a:solidFill>
+              </a14:hiddenFill>
+            </a:ext>
+            <a:ext uri="{91240B29-F687-4F45-9708-019B960494DF}">
+              <a14:hiddenLine xmlns:a14="http://schemas.microsoft.com/office/drawing/2010/main" w="9525">
+                <a:solidFill>
+                  <a:schemeClr val="tx1"/>
+                </a:solidFill>
+                <a:miter lim="800000"/>
+                <a:headEnd/>
+                <a:tailEnd/>
+              </a14:hiddenLine>
+            </a:ext>
+            <a:ext uri="{AF507438-7753-43E0-B8FC-AC1667EBCBE1}">
+              <a14:hiddenEffects xmlns:a14="http://schemas.microsoft.com/office/drawing/2010/main">
+                <a:effectLst>
+                  <a:outerShdw dist="35921" dir="2700000" algn="ctr" rotWithShape="0">
+                    <a:schemeClr val="bg2"/>
+                  </a:outerShdw>
+                </a:effectLst>
+              </a14:hiddenEffects>
+            </a:ext>
+          </a:extLst>
+        </p:spPr>
+      </p:pic>
+    </p:spTree>
+    <p:extLst>
+      <p:ext uri="{BB962C8B-B14F-4D97-AF65-F5344CB8AC3E}">
+        <p14:creationId xmlns:p14="http://schemas.microsoft.com/office/powerpoint/2010/main" val="3338192037"/>
+      </p:ext>
+    </p:extLst>
+  </p:cSld>
+  <p:clrMapOvr>
+    <a:masterClrMapping/>
+  </p:clrMapOvr>
+  <p:timing>
+    <p:tnLst>
+      <p:par>
+        <p:cTn id="1" dur="indefinite" restart="never" nodeType="tmRoot"/>
+      </p:par>
+    </p:tnLst>
+  </p:timing>
+</p:sld>
+</file>
+
+<file path=ppt/slides/slide41.xml><?xml version="1.0" encoding="utf-8"?>
+<p:sld xmlns:a="http://schemas.openxmlformats.org/drawingml/2006/main" xmlns:r="http://schemas.openxmlformats.org/officeDocument/2006/relationships" xmlns:p="http://schemas.openxmlformats.org/presentationml/2006/main">
+  <p:cSld>
+    <p:spTree>
+      <p:nvGrpSpPr>
+        <p:cNvPr id="1" name=""/>
+        <p:cNvGrpSpPr/>
+        <p:nvPr/>
+      </p:nvGrpSpPr>
+      <p:grpSpPr>
+        <a:xfrm>
+          <a:off x="0" y="0"/>
+          <a:ext cx="0" cy="0"/>
+          <a:chOff x="0" y="0"/>
+          <a:chExt cx="0" cy="0"/>
+        </a:xfrm>
+      </p:grpSpPr>
+      <p:sp>
+        <p:nvSpPr>
+          <p:cNvPr id="2" name="标题 1"/>
+          <p:cNvSpPr>
+            <a:spLocks noGrp="1"/>
+          </p:cNvSpPr>
+          <p:nvPr>
+            <p:ph type="title"/>
+          </p:nvPr>
+        </p:nvSpPr>
+        <p:spPr/>
+        <p:txBody>
+          <a:bodyPr>
+            <a:normAutofit fontScale="90000"/>
+          </a:bodyPr>
+          <a:lstStyle/>
+          <a:p>
+            <a:r>
+              <a:rPr lang="zh-CN" altLang="en-US" dirty="0" smtClean="0"/>
+              <a:t>命令行激活</a:t>
+            </a:r>
+            <a:endParaRPr lang="zh-CN" altLang="en-US" dirty="0"/>
+          </a:p>
+        </p:txBody>
+      </p:sp>
+      <p:sp>
+        <p:nvSpPr>
+          <p:cNvPr id="3" name="内容占位符 2"/>
+          <p:cNvSpPr>
+            <a:spLocks noGrp="1"/>
+          </p:cNvSpPr>
+          <p:nvPr>
+            <p:ph idx="1"/>
+          </p:nvPr>
+        </p:nvSpPr>
+        <p:spPr>
+          <a:xfrm>
+            <a:off x="611560" y="1196752"/>
+            <a:ext cx="8229600" cy="4525963"/>
+          </a:xfrm>
+        </p:spPr>
+        <p:txBody>
+          <a:bodyPr/>
+          <a:lstStyle/>
+          <a:p>
+            <a:r>
+              <a:rPr lang="en-US" altLang="zh-CN" dirty="0" err="1" smtClean="0"/>
+              <a:t>mvn</a:t>
+            </a:r>
+            <a:r>
+              <a:rPr lang="en-US" altLang="zh-CN" dirty="0" smtClean="0"/>
+              <a:t> -</a:t>
+            </a:r>
+            <a:r>
+              <a:rPr lang="en-US" altLang="zh-CN" dirty="0" err="1" smtClean="0"/>
+              <a:t>Pproduction</a:t>
+            </a:r>
+            <a:r>
+              <a:rPr lang="en-US" altLang="zh-CN" dirty="0" smtClean="0"/>
+              <a:t> install</a:t>
+            </a:r>
+            <a:endParaRPr lang="zh-CN" altLang="en-US" dirty="0"/>
+          </a:p>
+        </p:txBody>
+      </p:sp>
+      <p:pic>
+        <p:nvPicPr>
+          <p:cNvPr id="2052" name="Picture 4"/>
+          <p:cNvPicPr>
+            <a:picLocks noChangeAspect="1" noChangeArrowheads="1"/>
+          </p:cNvPicPr>
+          <p:nvPr/>
+        </p:nvPicPr>
+        <p:blipFill>
+          <a:blip r:embed="rId2">
+            <a:extLst>
+              <a:ext uri="{28A0092B-C50C-407E-A947-70E740481C1C}">
+                <a14:useLocalDpi xmlns:a14="http://schemas.microsoft.com/office/drawing/2010/main" val="0"/>
+              </a:ext>
+            </a:extLst>
+          </a:blip>
+          <a:srcRect/>
+          <a:stretch>
+            <a:fillRect/>
+          </a:stretch>
+        </p:blipFill>
+        <p:spPr bwMode="auto">
+          <a:xfrm>
+            <a:off x="1763688" y="2060848"/>
+            <a:ext cx="4752975" cy="3581400"/>
+          </a:xfrm>
+          <a:prstGeom prst="rect">
+            <a:avLst/>
+          </a:prstGeom>
+          <a:noFill/>
+          <a:ln>
+            <a:noFill/>
+          </a:ln>
+          <a:effectLst/>
+          <a:extLst>
+            <a:ext uri="{909E8E84-426E-40DD-AFC4-6F175D3DCCD1}">
+              <a14:hiddenFill xmlns:a14="http://schemas.microsoft.com/office/drawing/2010/main">
+                <a:solidFill>
+                  <a:schemeClr val="accent1"/>
+                </a:solidFill>
+              </a14:hiddenFill>
+            </a:ext>
+            <a:ext uri="{91240B29-F687-4F45-9708-019B960494DF}">
+              <a14:hiddenLine xmlns:a14="http://schemas.microsoft.com/office/drawing/2010/main" w="9525">
+                <a:solidFill>
+                  <a:schemeClr val="tx1"/>
+                </a:solidFill>
+                <a:miter lim="800000"/>
+                <a:headEnd/>
+                <a:tailEnd/>
+              </a14:hiddenLine>
+            </a:ext>
+            <a:ext uri="{AF507438-7753-43E0-B8FC-AC1667EBCBE1}">
+              <a14:hiddenEffects xmlns:a14="http://schemas.microsoft.com/office/drawing/2010/main">
+                <a:effectLst>
+                  <a:outerShdw dist="35921" dir="2700000" algn="ctr" rotWithShape="0">
+                    <a:schemeClr val="bg2"/>
+                  </a:outerShdw>
+                </a:effectLst>
+              </a14:hiddenEffects>
+            </a:ext>
+          </a:extLst>
+        </p:spPr>
+      </p:pic>
+    </p:spTree>
+    <p:extLst>
+      <p:ext uri="{BB962C8B-B14F-4D97-AF65-F5344CB8AC3E}">
+        <p14:creationId xmlns:p14="http://schemas.microsoft.com/office/powerpoint/2010/main" val="557123077"/>
+      </p:ext>
+    </p:extLst>
+  </p:cSld>
+  <p:clrMapOvr>
+    <a:masterClrMapping/>
+  </p:clrMapOvr>
+  <p:timing>
+    <p:tnLst>
+      <p:par>
+        <p:cTn id="1" dur="indefinite" restart="never" nodeType="tmRoot"/>
+      </p:par>
+    </p:tnLst>
+  </p:timing>
+</p:sld>
+</file>
+
+<file path=ppt/slides/slide42.xml><?xml version="1.0" encoding="utf-8"?>
+<p:sld xmlns:a="http://schemas.openxmlformats.org/drawingml/2006/main" xmlns:r="http://schemas.openxmlformats.org/officeDocument/2006/relationships" xmlns:p="http://schemas.openxmlformats.org/presentationml/2006/main">
+  <p:cSld>
+    <p:spTree>
+      <p:nvGrpSpPr>
+        <p:cNvPr id="1" name=""/>
+        <p:cNvGrpSpPr/>
+        <p:nvPr/>
+      </p:nvGrpSpPr>
+      <p:grpSpPr>
+        <a:xfrm>
+          <a:off x="0" y="0"/>
+          <a:ext cx="0" cy="0"/>
+          <a:chOff x="0" y="0"/>
+          <a:chExt cx="0" cy="0"/>
+        </a:xfrm>
+      </p:grpSpPr>
+      <p:sp>
+        <p:nvSpPr>
+          <p:cNvPr id="2" name="标题 1"/>
+          <p:cNvSpPr>
+            <a:spLocks noGrp="1"/>
+          </p:cNvSpPr>
+          <p:nvPr>
+            <p:ph type="title"/>
+          </p:nvPr>
+        </p:nvSpPr>
+        <p:spPr/>
+        <p:txBody>
+          <a:bodyPr>
+            <a:normAutofit fontScale="90000"/>
+          </a:bodyPr>
+          <a:lstStyle/>
+          <a:p>
+            <a:r>
+              <a:rPr lang="zh-CN" altLang="en-US" dirty="0"/>
+              <a:t>缺省</a:t>
+            </a:r>
+            <a:r>
+              <a:rPr lang="zh-CN" altLang="en-US" dirty="0" smtClean="0"/>
+              <a:t>激活</a:t>
+            </a:r>
+            <a:endParaRPr lang="zh-CN" altLang="en-US" dirty="0"/>
+          </a:p>
+        </p:txBody>
+      </p:sp>
+      <p:sp>
+        <p:nvSpPr>
+          <p:cNvPr id="3" name="内容占位符 2"/>
+          <p:cNvSpPr>
+            <a:spLocks noGrp="1"/>
+          </p:cNvSpPr>
+          <p:nvPr>
+            <p:ph idx="1"/>
+          </p:nvPr>
+        </p:nvSpPr>
+        <p:spPr/>
+        <p:txBody>
+          <a:bodyPr/>
+          <a:lstStyle/>
+          <a:p>
+            <a:endParaRPr lang="zh-CN" altLang="en-US"/>
+          </a:p>
+        </p:txBody>
+      </p:sp>
+      <p:pic>
+        <p:nvPicPr>
+          <p:cNvPr id="3074" name="Picture 2"/>
+          <p:cNvPicPr>
+            <a:picLocks noChangeAspect="1" noChangeArrowheads="1"/>
+          </p:cNvPicPr>
+          <p:nvPr/>
+        </p:nvPicPr>
+        <p:blipFill>
+          <a:blip r:embed="rId2">
+            <a:extLst>
+              <a:ext uri="{28A0092B-C50C-407E-A947-70E740481C1C}">
+                <a14:useLocalDpi xmlns:a14="http://schemas.microsoft.com/office/drawing/2010/main" val="0"/>
+              </a:ext>
+            </a:extLst>
+          </a:blip>
+          <a:srcRect/>
+          <a:stretch>
+            <a:fillRect/>
+          </a:stretch>
+        </p:blipFill>
+        <p:spPr bwMode="auto">
+          <a:xfrm>
+            <a:off x="1835696" y="2557462"/>
+            <a:ext cx="4343400" cy="1743075"/>
+          </a:xfrm>
+          <a:prstGeom prst="rect">
+            <a:avLst/>
+          </a:prstGeom>
+          <a:noFill/>
+          <a:ln>
+            <a:noFill/>
+          </a:ln>
+          <a:effectLst/>
+          <a:extLst>
+            <a:ext uri="{909E8E84-426E-40DD-AFC4-6F175D3DCCD1}">
+              <a14:hiddenFill xmlns:a14="http://schemas.microsoft.com/office/drawing/2010/main">
+                <a:solidFill>
+                  <a:schemeClr val="accent1"/>
+                </a:solidFill>
+              </a14:hiddenFill>
+            </a:ext>
+            <a:ext uri="{91240B29-F687-4F45-9708-019B960494DF}">
+              <a14:hiddenLine xmlns:a14="http://schemas.microsoft.com/office/drawing/2010/main" w="9525">
+                <a:solidFill>
+                  <a:schemeClr val="tx1"/>
+                </a:solidFill>
+                <a:miter lim="800000"/>
+                <a:headEnd/>
+                <a:tailEnd/>
+              </a14:hiddenLine>
+            </a:ext>
+            <a:ext uri="{AF507438-7753-43E0-B8FC-AC1667EBCBE1}">
+              <a14:hiddenEffects xmlns:a14="http://schemas.microsoft.com/office/drawing/2010/main">
+                <a:effectLst>
+                  <a:outerShdw dist="35921" dir="2700000" algn="ctr" rotWithShape="0">
+                    <a:schemeClr val="bg2"/>
+                  </a:outerShdw>
+                </a:effectLst>
+              </a14:hiddenEffects>
+            </a:ext>
+          </a:extLst>
+        </p:spPr>
+      </p:pic>
+    </p:spTree>
+    <p:extLst>
+      <p:ext uri="{BB962C8B-B14F-4D97-AF65-F5344CB8AC3E}">
+        <p14:creationId xmlns:p14="http://schemas.microsoft.com/office/powerpoint/2010/main" val="3714249536"/>
+      </p:ext>
+    </p:extLst>
+  </p:cSld>
+  <p:clrMapOvr>
+    <a:masterClrMapping/>
+  </p:clrMapOvr>
+</p:sld>
+</file>
+
+<file path=ppt/slides/slide43.xml><?xml version="1.0" encoding="utf-8"?>
+<p:sld xmlns:a="http://schemas.openxmlformats.org/drawingml/2006/main" xmlns:r="http://schemas.openxmlformats.org/officeDocument/2006/relationships" xmlns:p="http://schemas.openxmlformats.org/presentationml/2006/main">
+  <p:cSld>
+    <p:spTree>
+      <p:nvGrpSpPr>
+        <p:cNvPr id="1" name=""/>
+        <p:cNvGrpSpPr/>
+        <p:nvPr/>
+      </p:nvGrpSpPr>
+      <p:grpSpPr>
+        <a:xfrm>
+          <a:off x="0" y="0"/>
+          <a:ext cx="0" cy="0"/>
+          <a:chOff x="0" y="0"/>
+          <a:chExt cx="0" cy="0"/>
+        </a:xfrm>
+      </p:grpSpPr>
+      <p:sp>
+        <p:nvSpPr>
+          <p:cNvPr id="2" name="标题 1"/>
+          <p:cNvSpPr>
+            <a:spLocks noGrp="1"/>
+          </p:cNvSpPr>
+          <p:nvPr>
+            <p:ph type="title"/>
+          </p:nvPr>
+        </p:nvSpPr>
+        <p:spPr/>
+        <p:txBody>
+          <a:bodyPr>
+            <a:normAutofit fontScale="90000"/>
+          </a:bodyPr>
+          <a:lstStyle/>
+          <a:p>
+            <a:r>
+              <a:rPr lang="zh-CN" altLang="en-US" dirty="0" smtClean="0"/>
+              <a:t>激活的其它方法</a:t>
+            </a:r>
+            <a:endParaRPr lang="zh-CN" altLang="en-US" dirty="0"/>
+          </a:p>
+        </p:txBody>
+      </p:sp>
+      <p:sp>
+        <p:nvSpPr>
+          <p:cNvPr id="3" name="内容占位符 2"/>
+          <p:cNvSpPr>
+            <a:spLocks noGrp="1"/>
+          </p:cNvSpPr>
+          <p:nvPr>
+            <p:ph idx="1"/>
+          </p:nvPr>
+        </p:nvSpPr>
+        <p:spPr/>
+        <p:txBody>
+          <a:bodyPr/>
+          <a:lstStyle/>
+          <a:p>
+            <a:r>
+              <a:rPr lang="en-US" altLang="zh-CN" dirty="0" smtClean="0"/>
+              <a:t>JDK</a:t>
+            </a:r>
+            <a:r>
+              <a:rPr lang="zh-CN" altLang="en-US" dirty="0" smtClean="0"/>
+              <a:t>的版本</a:t>
+            </a:r>
+            <a:endParaRPr lang="en-US" altLang="zh-CN" dirty="0"/>
+          </a:p>
+          <a:p>
+            <a:r>
+              <a:rPr lang="zh-CN" altLang="en-US" dirty="0" smtClean="0"/>
+              <a:t>环境变量设置</a:t>
+            </a:r>
+            <a:endParaRPr lang="en-US" altLang="zh-CN" dirty="0"/>
+          </a:p>
+          <a:p>
+            <a:r>
+              <a:rPr lang="zh-CN" altLang="en-US" dirty="0" smtClean="0"/>
+              <a:t>当前正运行的操作系统</a:t>
+            </a:r>
+            <a:endParaRPr lang="en-US" altLang="zh-CN" dirty="0"/>
+          </a:p>
+          <a:p>
+            <a:r>
+              <a:rPr lang="zh-CN" altLang="en-US" dirty="0" smtClean="0"/>
+              <a:t>特定的文件是否存在</a:t>
+            </a:r>
+            <a:endParaRPr lang="zh-CN" altLang="en-US" dirty="0"/>
+          </a:p>
+        </p:txBody>
+      </p:sp>
+    </p:spTree>
+    <p:extLst>
+      <p:ext uri="{BB962C8B-B14F-4D97-AF65-F5344CB8AC3E}">
+        <p14:creationId xmlns:p14="http://schemas.microsoft.com/office/powerpoint/2010/main" val="1729878051"/>
+      </p:ext>
+    </p:extLst>
+  </p:cSld>
+  <p:clrMapOvr>
+    <a:masterClrMapping/>
+  </p:clrMapOvr>
+</p:sld>
+</file>
+
+<file path=ppt/slides/slide44.xml><?xml version="1.0" encoding="utf-8"?>
+<p:sld xmlns:a="http://schemas.openxmlformats.org/drawingml/2006/main" xmlns:r="http://schemas.openxmlformats.org/officeDocument/2006/relationships" xmlns:p="http://schemas.openxmlformats.org/presentationml/2006/main">
+  <p:cSld>
+    <p:spTree>
+      <p:nvGrpSpPr>
+        <p:cNvPr id="1" name=""/>
+        <p:cNvGrpSpPr/>
+        <p:nvPr/>
+      </p:nvGrpSpPr>
+      <p:grpSpPr>
+        <a:xfrm>
+          <a:off x="0" y="0"/>
+          <a:ext cx="0" cy="0"/>
+          <a:chOff x="0" y="0"/>
+          <a:chExt cx="0" cy="0"/>
+        </a:xfrm>
+      </p:grpSpPr>
+      <p:sp>
+        <p:nvSpPr>
           <p:cNvPr id="45058" name="内容占位符 1"/>
           <p:cNvSpPr>
             <a:spLocks noGrp="1"/>
@@ -48132,7 +48717,7 @@
 </p:sld>
 </file>
 
-<file path=ppt/slides/slide41.xml><?xml version="1.0" encoding="utf-8"?>
+<file path=ppt/slides/slide45.xml><?xml version="1.0" encoding="utf-8"?>
 <p:sld xmlns:a="http://schemas.openxmlformats.org/drawingml/2006/main" xmlns:r="http://schemas.openxmlformats.org/officeDocument/2006/relationships" xmlns:p="http://schemas.openxmlformats.org/presentationml/2006/main">
   <p:cSld>
     <p:spTree>
